--- a/SARS-CoV-2 3CL Protease/Protein Analyzing/Figures/edit.pptx
+++ b/SARS-CoV-2 3CL Protease/Protein Analyzing/Figures/edit.pptx
@@ -7,6 +7,11 @@
   <p:sldIdLst>
     <p:sldId id="256" r:id="rId2"/>
     <p:sldId id="257" r:id="rId3"/>
+    <p:sldId id="258" r:id="rId4"/>
+    <p:sldId id="259" r:id="rId5"/>
+    <p:sldId id="260" r:id="rId6"/>
+    <p:sldId id="261" r:id="rId7"/>
+    <p:sldId id="262" r:id="rId8"/>
   </p:sldIdLst>
   <p:sldSz cx="12192000" cy="6858000"/>
   <p:notesSz cx="6858000" cy="9144000"/>
@@ -244,7 +249,7 @@
           <a:p>
             <a:fld id="{F5235FC8-D65B-4CD2-BE99-61EC8626A0CA}" type="datetimeFigureOut">
               <a:rPr lang="zh-CN" altLang="en-US" smtClean="0"/>
-              <a:t>2024/10/9</a:t>
+              <a:t>2024/11/22</a:t>
             </a:fld>
             <a:endParaRPr lang="zh-CN" altLang="en-US"/>
           </a:p>
@@ -414,7 +419,7 @@
           <a:p>
             <a:fld id="{F5235FC8-D65B-4CD2-BE99-61EC8626A0CA}" type="datetimeFigureOut">
               <a:rPr lang="zh-CN" altLang="en-US" smtClean="0"/>
-              <a:t>2024/10/9</a:t>
+              <a:t>2024/11/22</a:t>
             </a:fld>
             <a:endParaRPr lang="zh-CN" altLang="en-US"/>
           </a:p>
@@ -594,7 +599,7 @@
           <a:p>
             <a:fld id="{F5235FC8-D65B-4CD2-BE99-61EC8626A0CA}" type="datetimeFigureOut">
               <a:rPr lang="zh-CN" altLang="en-US" smtClean="0"/>
-              <a:t>2024/10/9</a:t>
+              <a:t>2024/11/22</a:t>
             </a:fld>
             <a:endParaRPr lang="zh-CN" altLang="en-US"/>
           </a:p>
@@ -764,7 +769,7 @@
           <a:p>
             <a:fld id="{F5235FC8-D65B-4CD2-BE99-61EC8626A0CA}" type="datetimeFigureOut">
               <a:rPr lang="zh-CN" altLang="en-US" smtClean="0"/>
-              <a:t>2024/10/9</a:t>
+              <a:t>2024/11/22</a:t>
             </a:fld>
             <a:endParaRPr lang="zh-CN" altLang="en-US"/>
           </a:p>
@@ -1010,7 +1015,7 @@
           <a:p>
             <a:fld id="{F5235FC8-D65B-4CD2-BE99-61EC8626A0CA}" type="datetimeFigureOut">
               <a:rPr lang="zh-CN" altLang="en-US" smtClean="0"/>
-              <a:t>2024/10/9</a:t>
+              <a:t>2024/11/22</a:t>
             </a:fld>
             <a:endParaRPr lang="zh-CN" altLang="en-US"/>
           </a:p>
@@ -1242,7 +1247,7 @@
           <a:p>
             <a:fld id="{F5235FC8-D65B-4CD2-BE99-61EC8626A0CA}" type="datetimeFigureOut">
               <a:rPr lang="zh-CN" altLang="en-US" smtClean="0"/>
-              <a:t>2024/10/9</a:t>
+              <a:t>2024/11/22</a:t>
             </a:fld>
             <a:endParaRPr lang="zh-CN" altLang="en-US"/>
           </a:p>
@@ -1609,7 +1614,7 @@
           <a:p>
             <a:fld id="{F5235FC8-D65B-4CD2-BE99-61EC8626A0CA}" type="datetimeFigureOut">
               <a:rPr lang="zh-CN" altLang="en-US" smtClean="0"/>
-              <a:t>2024/10/9</a:t>
+              <a:t>2024/11/22</a:t>
             </a:fld>
             <a:endParaRPr lang="zh-CN" altLang="en-US"/>
           </a:p>
@@ -1727,7 +1732,7 @@
           <a:p>
             <a:fld id="{F5235FC8-D65B-4CD2-BE99-61EC8626A0CA}" type="datetimeFigureOut">
               <a:rPr lang="zh-CN" altLang="en-US" smtClean="0"/>
-              <a:t>2024/10/9</a:t>
+              <a:t>2024/11/22</a:t>
             </a:fld>
             <a:endParaRPr lang="zh-CN" altLang="en-US"/>
           </a:p>
@@ -1822,7 +1827,7 @@
           <a:p>
             <a:fld id="{F5235FC8-D65B-4CD2-BE99-61EC8626A0CA}" type="datetimeFigureOut">
               <a:rPr lang="zh-CN" altLang="en-US" smtClean="0"/>
-              <a:t>2024/10/9</a:t>
+              <a:t>2024/11/22</a:t>
             </a:fld>
             <a:endParaRPr lang="zh-CN" altLang="en-US"/>
           </a:p>
@@ -2099,7 +2104,7 @@
           <a:p>
             <a:fld id="{F5235FC8-D65B-4CD2-BE99-61EC8626A0CA}" type="datetimeFigureOut">
               <a:rPr lang="zh-CN" altLang="en-US" smtClean="0"/>
-              <a:t>2024/10/9</a:t>
+              <a:t>2024/11/22</a:t>
             </a:fld>
             <a:endParaRPr lang="zh-CN" altLang="en-US"/>
           </a:p>
@@ -2352,7 +2357,7 @@
           <a:p>
             <a:fld id="{F5235FC8-D65B-4CD2-BE99-61EC8626A0CA}" type="datetimeFigureOut">
               <a:rPr lang="zh-CN" altLang="en-US" smtClean="0"/>
-              <a:t>2024/10/9</a:t>
+              <a:t>2024/11/22</a:t>
             </a:fld>
             <a:endParaRPr lang="zh-CN" altLang="en-US"/>
           </a:p>
@@ -2565,7 +2570,7 @@
           <a:p>
             <a:fld id="{F5235FC8-D65B-4CD2-BE99-61EC8626A0CA}" type="datetimeFigureOut">
               <a:rPr lang="zh-CN" altLang="en-US" smtClean="0"/>
-              <a:t>2024/10/9</a:t>
+              <a:t>2024/11/22</a:t>
             </a:fld>
             <a:endParaRPr lang="zh-CN" altLang="en-US"/>
           </a:p>
@@ -3069,7 +3074,7 @@
         </p:blipFill>
         <p:spPr>
           <a:xfrm>
-            <a:off x="4925291" y="118075"/>
+            <a:off x="4925291" y="86903"/>
             <a:ext cx="4488873" cy="6383828"/>
           </a:xfrm>
         </p:spPr>
@@ -3773,6 +3778,1485 @@
       </p:par>
     </p:tnLst>
   </p:timing>
+</p:sld>
+</file>
+
+<file path=ppt/slides/slide3.xml><?xml version="1.0" encoding="utf-8"?>
+<p:sld xmlns:a="http://schemas.openxmlformats.org/drawingml/2006/main" xmlns:r="http://schemas.openxmlformats.org/officeDocument/2006/relationships" xmlns:p="http://schemas.openxmlformats.org/presentationml/2006/main">
+  <p:cSld>
+    <p:spTree>
+      <p:nvGrpSpPr>
+        <p:cNvPr id="1" name=""/>
+        <p:cNvGrpSpPr/>
+        <p:nvPr/>
+      </p:nvGrpSpPr>
+      <p:grpSpPr>
+        <a:xfrm>
+          <a:off x="0" y="0"/>
+          <a:ext cx="0" cy="0"/>
+          <a:chOff x="0" y="0"/>
+          <a:chExt cx="0" cy="0"/>
+        </a:xfrm>
+      </p:grpSpPr>
+      <p:pic>
+        <p:nvPicPr>
+          <p:cNvPr id="4" name="内容占位符 3"/>
+          <p:cNvPicPr>
+            <a:picLocks noGrp="1" noChangeAspect="1"/>
+          </p:cNvPicPr>
+          <p:nvPr>
+            <p:ph idx="1"/>
+          </p:nvPr>
+        </p:nvPicPr>
+        <p:blipFill>
+          <a:blip r:embed="rId2">
+            <a:extLst>
+              <a:ext uri="{28A0092B-C50C-407E-A947-70E740481C1C}">
+                <a14:useLocalDpi xmlns:a14="http://schemas.microsoft.com/office/drawing/2010/main" val="0"/>
+              </a:ext>
+            </a:extLst>
+          </a:blip>
+          <a:stretch>
+            <a:fillRect/>
+          </a:stretch>
+        </p:blipFill>
+        <p:spPr>
+          <a:xfrm>
+            <a:off x="5958252" y="1084591"/>
+            <a:ext cx="3220196" cy="4579586"/>
+          </a:xfrm>
+        </p:spPr>
+      </p:pic>
+      <p:sp>
+        <p:nvSpPr>
+          <p:cNvPr id="5" name="文本框 4"/>
+          <p:cNvSpPr txBox="1"/>
+          <p:nvPr/>
+        </p:nvSpPr>
+        <p:spPr>
+          <a:xfrm>
+            <a:off x="4925291" y="1030886"/>
+            <a:ext cx="789708" cy="369332"/>
+          </a:xfrm>
+          <a:prstGeom prst="rect">
+            <a:avLst/>
+          </a:prstGeom>
+          <a:noFill/>
+        </p:spPr>
+        <p:txBody>
+          <a:bodyPr wrap="square" rtlCol="0">
+            <a:spAutoFit/>
+          </a:bodyPr>
+          <a:lstStyle/>
+          <a:p>
+            <a:r>
+              <a:rPr lang="en-US" altLang="zh-CN" b="1" dirty="0" smtClean="0">
+                <a:solidFill>
+                  <a:srgbClr val="FF0000"/>
+                </a:solidFill>
+              </a:rPr>
+              <a:t>140</a:t>
+            </a:r>
+            <a:endParaRPr lang="zh-CN" altLang="en-US" b="1" dirty="0">
+              <a:solidFill>
+                <a:srgbClr val="FF0000"/>
+              </a:solidFill>
+            </a:endParaRPr>
+          </a:p>
+        </p:txBody>
+      </p:sp>
+      <p:sp>
+        <p:nvSpPr>
+          <p:cNvPr id="6" name="文本框 5"/>
+          <p:cNvSpPr txBox="1"/>
+          <p:nvPr/>
+        </p:nvSpPr>
+        <p:spPr>
+          <a:xfrm>
+            <a:off x="4925291" y="661554"/>
+            <a:ext cx="789708" cy="369332"/>
+          </a:xfrm>
+          <a:prstGeom prst="rect">
+            <a:avLst/>
+          </a:prstGeom>
+          <a:noFill/>
+        </p:spPr>
+        <p:txBody>
+          <a:bodyPr wrap="square" rtlCol="0">
+            <a:spAutoFit/>
+          </a:bodyPr>
+          <a:lstStyle/>
+          <a:p>
+            <a:r>
+              <a:rPr lang="en-US" altLang="zh-CN" b="1" dirty="0" smtClean="0">
+                <a:solidFill>
+                  <a:srgbClr val="FF0000"/>
+                </a:solidFill>
+              </a:rPr>
+              <a:t>180</a:t>
+            </a:r>
+            <a:endParaRPr lang="zh-CN" altLang="en-US" b="1" dirty="0">
+              <a:solidFill>
+                <a:srgbClr val="FF0000"/>
+              </a:solidFill>
+            </a:endParaRPr>
+          </a:p>
+        </p:txBody>
+      </p:sp>
+      <p:sp>
+        <p:nvSpPr>
+          <p:cNvPr id="7" name="文本框 6"/>
+          <p:cNvSpPr txBox="1"/>
+          <p:nvPr/>
+        </p:nvSpPr>
+        <p:spPr>
+          <a:xfrm>
+            <a:off x="4935681" y="1400218"/>
+            <a:ext cx="789708" cy="369332"/>
+          </a:xfrm>
+          <a:prstGeom prst="rect">
+            <a:avLst/>
+          </a:prstGeom>
+          <a:noFill/>
+        </p:spPr>
+        <p:txBody>
+          <a:bodyPr wrap="square" rtlCol="0">
+            <a:spAutoFit/>
+          </a:bodyPr>
+          <a:lstStyle/>
+          <a:p>
+            <a:r>
+              <a:rPr lang="en-US" altLang="zh-CN" b="1" dirty="0" smtClean="0">
+                <a:solidFill>
+                  <a:srgbClr val="FF0000"/>
+                </a:solidFill>
+              </a:rPr>
+              <a:t>100</a:t>
+            </a:r>
+            <a:endParaRPr lang="zh-CN" altLang="en-US" b="1" dirty="0">
+              <a:solidFill>
+                <a:srgbClr val="FF0000"/>
+              </a:solidFill>
+            </a:endParaRPr>
+          </a:p>
+        </p:txBody>
+      </p:sp>
+      <p:sp>
+        <p:nvSpPr>
+          <p:cNvPr id="8" name="文本框 7"/>
+          <p:cNvSpPr txBox="1"/>
+          <p:nvPr/>
+        </p:nvSpPr>
+        <p:spPr>
+          <a:xfrm>
+            <a:off x="4925291" y="1769550"/>
+            <a:ext cx="789708" cy="369332"/>
+          </a:xfrm>
+          <a:prstGeom prst="rect">
+            <a:avLst/>
+          </a:prstGeom>
+          <a:noFill/>
+        </p:spPr>
+        <p:txBody>
+          <a:bodyPr wrap="square" rtlCol="0">
+            <a:spAutoFit/>
+          </a:bodyPr>
+          <a:lstStyle/>
+          <a:p>
+            <a:r>
+              <a:rPr lang="en-US" altLang="zh-CN" b="1" dirty="0" smtClean="0">
+                <a:solidFill>
+                  <a:srgbClr val="FF0000"/>
+                </a:solidFill>
+              </a:rPr>
+              <a:t>75</a:t>
+            </a:r>
+            <a:endParaRPr lang="zh-CN" altLang="en-US" b="1" dirty="0">
+              <a:solidFill>
+                <a:srgbClr val="FF0000"/>
+              </a:solidFill>
+            </a:endParaRPr>
+          </a:p>
+        </p:txBody>
+      </p:sp>
+      <p:sp>
+        <p:nvSpPr>
+          <p:cNvPr id="9" name="文本框 8"/>
+          <p:cNvSpPr txBox="1"/>
+          <p:nvPr/>
+        </p:nvSpPr>
+        <p:spPr>
+          <a:xfrm>
+            <a:off x="4914901" y="2138882"/>
+            <a:ext cx="789708" cy="369332"/>
+          </a:xfrm>
+          <a:prstGeom prst="rect">
+            <a:avLst/>
+          </a:prstGeom>
+          <a:noFill/>
+        </p:spPr>
+        <p:txBody>
+          <a:bodyPr wrap="square" rtlCol="0">
+            <a:spAutoFit/>
+          </a:bodyPr>
+          <a:lstStyle/>
+          <a:p>
+            <a:r>
+              <a:rPr lang="en-US" altLang="zh-CN" b="1" dirty="0" smtClean="0">
+                <a:solidFill>
+                  <a:srgbClr val="FF0000"/>
+                </a:solidFill>
+              </a:rPr>
+              <a:t>60</a:t>
+            </a:r>
+            <a:endParaRPr lang="zh-CN" altLang="en-US" b="1" dirty="0">
+              <a:solidFill>
+                <a:srgbClr val="FF0000"/>
+              </a:solidFill>
+            </a:endParaRPr>
+          </a:p>
+        </p:txBody>
+      </p:sp>
+      <p:sp>
+        <p:nvSpPr>
+          <p:cNvPr id="10" name="文本框 9"/>
+          <p:cNvSpPr txBox="1"/>
+          <p:nvPr/>
+        </p:nvSpPr>
+        <p:spPr>
+          <a:xfrm>
+            <a:off x="4914901" y="2755922"/>
+            <a:ext cx="789708" cy="369332"/>
+          </a:xfrm>
+          <a:prstGeom prst="rect">
+            <a:avLst/>
+          </a:prstGeom>
+          <a:noFill/>
+        </p:spPr>
+        <p:txBody>
+          <a:bodyPr wrap="square" rtlCol="0">
+            <a:spAutoFit/>
+          </a:bodyPr>
+          <a:lstStyle/>
+          <a:p>
+            <a:r>
+              <a:rPr lang="en-US" altLang="zh-CN" b="1" dirty="0" smtClean="0">
+                <a:solidFill>
+                  <a:srgbClr val="FF0000"/>
+                </a:solidFill>
+              </a:rPr>
+              <a:t>45</a:t>
+            </a:r>
+            <a:endParaRPr lang="zh-CN" altLang="en-US" b="1" dirty="0">
+              <a:solidFill>
+                <a:srgbClr val="FF0000"/>
+              </a:solidFill>
+            </a:endParaRPr>
+          </a:p>
+        </p:txBody>
+      </p:sp>
+      <p:sp>
+        <p:nvSpPr>
+          <p:cNvPr id="11" name="文本框 10"/>
+          <p:cNvSpPr txBox="1"/>
+          <p:nvPr/>
+        </p:nvSpPr>
+        <p:spPr>
+          <a:xfrm>
+            <a:off x="4914901" y="3526685"/>
+            <a:ext cx="789708" cy="584775"/>
+          </a:xfrm>
+          <a:prstGeom prst="rect">
+            <a:avLst/>
+          </a:prstGeom>
+          <a:noFill/>
+        </p:spPr>
+        <p:txBody>
+          <a:bodyPr wrap="square" rtlCol="0">
+            <a:spAutoFit/>
+          </a:bodyPr>
+          <a:lstStyle/>
+          <a:p>
+            <a:r>
+              <a:rPr lang="en-US" altLang="zh-CN" sz="3200" b="1" dirty="0" smtClean="0">
+                <a:solidFill>
+                  <a:schemeClr val="accent6">
+                    <a:lumMod val="75000"/>
+                  </a:schemeClr>
+                </a:solidFill>
+              </a:rPr>
+              <a:t>35</a:t>
+            </a:r>
+            <a:endParaRPr lang="zh-CN" altLang="en-US" sz="3200" b="1" dirty="0">
+              <a:solidFill>
+                <a:schemeClr val="accent6">
+                  <a:lumMod val="75000"/>
+                </a:schemeClr>
+              </a:solidFill>
+            </a:endParaRPr>
+          </a:p>
+        </p:txBody>
+      </p:sp>
+      <p:sp>
+        <p:nvSpPr>
+          <p:cNvPr id="12" name="文本框 11"/>
+          <p:cNvSpPr txBox="1"/>
+          <p:nvPr/>
+        </p:nvSpPr>
+        <p:spPr>
+          <a:xfrm>
+            <a:off x="4935681" y="4382738"/>
+            <a:ext cx="789708" cy="369332"/>
+          </a:xfrm>
+          <a:prstGeom prst="rect">
+            <a:avLst/>
+          </a:prstGeom>
+          <a:noFill/>
+        </p:spPr>
+        <p:txBody>
+          <a:bodyPr wrap="square" rtlCol="0">
+            <a:spAutoFit/>
+          </a:bodyPr>
+          <a:lstStyle/>
+          <a:p>
+            <a:r>
+              <a:rPr lang="en-US" altLang="zh-CN" b="1" dirty="0">
+                <a:solidFill>
+                  <a:srgbClr val="FF0000"/>
+                </a:solidFill>
+              </a:rPr>
+              <a:t>2</a:t>
+            </a:r>
+            <a:r>
+              <a:rPr lang="en-US" altLang="zh-CN" b="1" dirty="0" smtClean="0">
+                <a:solidFill>
+                  <a:srgbClr val="FF0000"/>
+                </a:solidFill>
+              </a:rPr>
+              <a:t>5</a:t>
+            </a:r>
+            <a:endParaRPr lang="zh-CN" altLang="en-US" b="1" dirty="0">
+              <a:solidFill>
+                <a:srgbClr val="FF0000"/>
+              </a:solidFill>
+            </a:endParaRPr>
+          </a:p>
+        </p:txBody>
+      </p:sp>
+      <p:sp>
+        <p:nvSpPr>
+          <p:cNvPr id="13" name="文本框 12"/>
+          <p:cNvSpPr txBox="1"/>
+          <p:nvPr/>
+        </p:nvSpPr>
+        <p:spPr>
+          <a:xfrm>
+            <a:off x="4914901" y="5479511"/>
+            <a:ext cx="789708" cy="369332"/>
+          </a:xfrm>
+          <a:prstGeom prst="rect">
+            <a:avLst/>
+          </a:prstGeom>
+          <a:noFill/>
+        </p:spPr>
+        <p:txBody>
+          <a:bodyPr wrap="square" rtlCol="0">
+            <a:spAutoFit/>
+          </a:bodyPr>
+          <a:lstStyle/>
+          <a:p>
+            <a:r>
+              <a:rPr lang="en-US" altLang="zh-CN" b="1" dirty="0" smtClean="0">
+                <a:solidFill>
+                  <a:srgbClr val="FF0000"/>
+                </a:solidFill>
+              </a:rPr>
+              <a:t>15</a:t>
+            </a:r>
+            <a:endParaRPr lang="zh-CN" altLang="en-US" b="1" dirty="0">
+              <a:solidFill>
+                <a:srgbClr val="FF0000"/>
+              </a:solidFill>
+            </a:endParaRPr>
+          </a:p>
+        </p:txBody>
+      </p:sp>
+      <p:sp>
+        <p:nvSpPr>
+          <p:cNvPr id="14" name="文本框 13"/>
+          <p:cNvSpPr txBox="1"/>
+          <p:nvPr/>
+        </p:nvSpPr>
+        <p:spPr>
+          <a:xfrm>
+            <a:off x="3768006" y="5713607"/>
+            <a:ext cx="789708" cy="369332"/>
+          </a:xfrm>
+          <a:prstGeom prst="rect">
+            <a:avLst/>
+          </a:prstGeom>
+          <a:noFill/>
+        </p:spPr>
+        <p:txBody>
+          <a:bodyPr wrap="square" rtlCol="0">
+            <a:spAutoFit/>
+          </a:bodyPr>
+          <a:lstStyle/>
+          <a:p>
+            <a:r>
+              <a:rPr lang="en-US" altLang="zh-CN" b="1" dirty="0" smtClean="0">
+                <a:solidFill>
+                  <a:srgbClr val="FF0000"/>
+                </a:solidFill>
+              </a:rPr>
+              <a:t>10</a:t>
+            </a:r>
+            <a:endParaRPr lang="zh-CN" altLang="en-US" b="1" dirty="0">
+              <a:solidFill>
+                <a:srgbClr val="FF0000"/>
+              </a:solidFill>
+            </a:endParaRPr>
+          </a:p>
+        </p:txBody>
+      </p:sp>
+      <p:sp>
+        <p:nvSpPr>
+          <p:cNvPr id="15" name="文本框 14"/>
+          <p:cNvSpPr txBox="1"/>
+          <p:nvPr/>
+        </p:nvSpPr>
+        <p:spPr>
+          <a:xfrm>
+            <a:off x="4914901" y="223000"/>
+            <a:ext cx="789708" cy="369332"/>
+          </a:xfrm>
+          <a:prstGeom prst="rect">
+            <a:avLst/>
+          </a:prstGeom>
+          <a:noFill/>
+        </p:spPr>
+        <p:txBody>
+          <a:bodyPr wrap="square" rtlCol="0">
+            <a:spAutoFit/>
+          </a:bodyPr>
+          <a:lstStyle/>
+          <a:p>
+            <a:r>
+              <a:rPr lang="en-US" altLang="zh-CN" b="1" dirty="0" err="1" smtClean="0">
+                <a:solidFill>
+                  <a:srgbClr val="FF0000"/>
+                </a:solidFill>
+              </a:rPr>
+              <a:t>kDa</a:t>
+            </a:r>
+            <a:endParaRPr lang="zh-CN" altLang="en-US" b="1" dirty="0">
+              <a:solidFill>
+                <a:srgbClr val="FF0000"/>
+              </a:solidFill>
+            </a:endParaRPr>
+          </a:p>
+        </p:txBody>
+      </p:sp>
+      <p:sp>
+        <p:nvSpPr>
+          <p:cNvPr id="20" name="文本框 19"/>
+          <p:cNvSpPr txBox="1"/>
+          <p:nvPr/>
+        </p:nvSpPr>
+        <p:spPr>
+          <a:xfrm flipH="1">
+            <a:off x="6418984" y="5610264"/>
+            <a:ext cx="2621384" cy="707886"/>
+          </a:xfrm>
+          <a:prstGeom prst="rect">
+            <a:avLst/>
+          </a:prstGeom>
+          <a:noFill/>
+        </p:spPr>
+        <p:txBody>
+          <a:bodyPr wrap="square" rtlCol="0">
+            <a:spAutoFit/>
+          </a:bodyPr>
+          <a:lstStyle/>
+          <a:p>
+            <a:r>
+              <a:rPr lang="en-US" altLang="zh-CN" sz="4000" b="1" dirty="0" smtClean="0">
+                <a:solidFill>
+                  <a:schemeClr val="accent5">
+                    <a:lumMod val="50000"/>
+                  </a:schemeClr>
+                </a:solidFill>
+              </a:rPr>
+              <a:t>0 1 2 3 4 5</a:t>
+            </a:r>
+            <a:endParaRPr lang="zh-CN" altLang="en-US" sz="4000" b="1" dirty="0">
+              <a:solidFill>
+                <a:schemeClr val="accent5">
+                  <a:lumMod val="50000"/>
+                </a:schemeClr>
+              </a:solidFill>
+            </a:endParaRPr>
+          </a:p>
+        </p:txBody>
+      </p:sp>
+    </p:spTree>
+    <p:extLst>
+      <p:ext uri="{BB962C8B-B14F-4D97-AF65-F5344CB8AC3E}">
+        <p14:creationId xmlns:p14="http://schemas.microsoft.com/office/powerpoint/2010/main" val="4286635489"/>
+      </p:ext>
+    </p:extLst>
+  </p:cSld>
+  <p:clrMapOvr>
+    <a:masterClrMapping/>
+  </p:clrMapOvr>
+  <p:timing>
+    <p:tnLst>
+      <p:par>
+        <p:cTn id="1" dur="indefinite" restart="never" nodeType="tmRoot"/>
+      </p:par>
+    </p:tnLst>
+  </p:timing>
+</p:sld>
+</file>
+
+<file path=ppt/slides/slide4.xml><?xml version="1.0" encoding="utf-8"?>
+<p:sld xmlns:a="http://schemas.openxmlformats.org/drawingml/2006/main" xmlns:r="http://schemas.openxmlformats.org/officeDocument/2006/relationships" xmlns:p="http://schemas.openxmlformats.org/presentationml/2006/main">
+  <p:cSld>
+    <p:spTree>
+      <p:nvGrpSpPr>
+        <p:cNvPr id="1" name=""/>
+        <p:cNvGrpSpPr/>
+        <p:nvPr/>
+      </p:nvGrpSpPr>
+      <p:grpSpPr>
+        <a:xfrm>
+          <a:off x="0" y="0"/>
+          <a:ext cx="0" cy="0"/>
+          <a:chOff x="0" y="0"/>
+          <a:chExt cx="0" cy="0"/>
+        </a:xfrm>
+      </p:grpSpPr>
+      <p:pic>
+        <p:nvPicPr>
+          <p:cNvPr id="4" name="内容占位符 3"/>
+          <p:cNvPicPr>
+            <a:picLocks noChangeAspect="1"/>
+          </p:cNvPicPr>
+          <p:nvPr/>
+        </p:nvPicPr>
+        <p:blipFill>
+          <a:blip r:embed="rId2">
+            <a:extLst>
+              <a:ext uri="{28A0092B-C50C-407E-A947-70E740481C1C}">
+                <a14:useLocalDpi xmlns:a14="http://schemas.microsoft.com/office/drawing/2010/main" val="0"/>
+              </a:ext>
+            </a:extLst>
+          </a:blip>
+          <a:stretch>
+            <a:fillRect/>
+          </a:stretch>
+        </p:blipFill>
+        <p:spPr>
+          <a:xfrm>
+            <a:off x="5958252" y="1084591"/>
+            <a:ext cx="3220196" cy="4579586"/>
+          </a:xfrm>
+          <a:prstGeom prst="rect">
+            <a:avLst/>
+          </a:prstGeom>
+        </p:spPr>
+      </p:pic>
+      <p:sp>
+        <p:nvSpPr>
+          <p:cNvPr id="5" name="文本框 4"/>
+          <p:cNvSpPr txBox="1"/>
+          <p:nvPr/>
+        </p:nvSpPr>
+        <p:spPr>
+          <a:xfrm flipH="1">
+            <a:off x="5801526" y="5524941"/>
+            <a:ext cx="3533648" cy="707886"/>
+          </a:xfrm>
+          <a:prstGeom prst="rect">
+            <a:avLst/>
+          </a:prstGeom>
+          <a:noFill/>
+        </p:spPr>
+        <p:txBody>
+          <a:bodyPr wrap="square" rtlCol="0">
+            <a:spAutoFit/>
+          </a:bodyPr>
+          <a:lstStyle/>
+          <a:p>
+            <a:r>
+              <a:rPr lang="en-US" altLang="zh-CN" sz="1100" b="1" dirty="0" smtClean="0">
+                <a:solidFill>
+                  <a:schemeClr val="accent5">
+                    <a:lumMod val="50000"/>
+                  </a:schemeClr>
+                </a:solidFill>
+              </a:rPr>
+              <a:t>     Marker </a:t>
+            </a:r>
+            <a:r>
+              <a:rPr lang="en-US" altLang="zh-CN" sz="4000" b="1" dirty="0" smtClean="0">
+                <a:solidFill>
+                  <a:schemeClr val="accent5">
+                    <a:lumMod val="50000"/>
+                  </a:schemeClr>
+                </a:solidFill>
+              </a:rPr>
+              <a:t>0 1 2 3 4 5</a:t>
+            </a:r>
+            <a:endParaRPr lang="zh-CN" altLang="en-US" sz="4000" b="1" dirty="0">
+              <a:solidFill>
+                <a:schemeClr val="accent5">
+                  <a:lumMod val="50000"/>
+                </a:schemeClr>
+              </a:solidFill>
+            </a:endParaRPr>
+          </a:p>
+        </p:txBody>
+      </p:sp>
+      <p:sp>
+        <p:nvSpPr>
+          <p:cNvPr id="6" name="文本框 5"/>
+          <p:cNvSpPr txBox="1"/>
+          <p:nvPr/>
+        </p:nvSpPr>
+        <p:spPr>
+          <a:xfrm>
+            <a:off x="5398910" y="1092222"/>
+            <a:ext cx="789708" cy="5001369"/>
+          </a:xfrm>
+          <a:prstGeom prst="rect">
+            <a:avLst/>
+          </a:prstGeom>
+          <a:noFill/>
+        </p:spPr>
+        <p:txBody>
+          <a:bodyPr wrap="square" rtlCol="0">
+            <a:spAutoFit/>
+          </a:bodyPr>
+          <a:lstStyle/>
+          <a:p>
+            <a:pPr algn="ctr"/>
+            <a:r>
+              <a:rPr lang="en-US" altLang="zh-CN" sz="1100" b="1" dirty="0" err="1" smtClean="0">
+                <a:solidFill>
+                  <a:srgbClr val="C00000"/>
+                </a:solidFill>
+              </a:rPr>
+              <a:t>kDa</a:t>
+            </a:r>
+            <a:endParaRPr lang="en-US" altLang="zh-CN" sz="1100" b="1" dirty="0" smtClean="0">
+              <a:solidFill>
+                <a:srgbClr val="C00000"/>
+              </a:solidFill>
+            </a:endParaRPr>
+          </a:p>
+          <a:p>
+            <a:pPr algn="ctr"/>
+            <a:endParaRPr lang="en-US" altLang="zh-CN" sz="1100" b="1" dirty="0" smtClean="0">
+              <a:solidFill>
+                <a:srgbClr val="C00000"/>
+              </a:solidFill>
+            </a:endParaRPr>
+          </a:p>
+          <a:p>
+            <a:pPr algn="ctr"/>
+            <a:r>
+              <a:rPr lang="en-US" altLang="zh-CN" sz="1100" b="1" dirty="0" smtClean="0">
+                <a:solidFill>
+                  <a:srgbClr val="C00000"/>
+                </a:solidFill>
+              </a:rPr>
+              <a:t>180</a:t>
+            </a:r>
+          </a:p>
+          <a:p>
+            <a:pPr algn="ctr"/>
+            <a:r>
+              <a:rPr lang="en-US" altLang="zh-CN" sz="1100" b="1" dirty="0" smtClean="0">
+                <a:solidFill>
+                  <a:srgbClr val="C00000"/>
+                </a:solidFill>
+              </a:rPr>
+              <a:t>140</a:t>
+            </a:r>
+          </a:p>
+          <a:p>
+            <a:pPr algn="ctr"/>
+            <a:endParaRPr lang="en-US" altLang="zh-CN" sz="1100" b="1" dirty="0" smtClean="0">
+              <a:solidFill>
+                <a:srgbClr val="C00000"/>
+              </a:solidFill>
+            </a:endParaRPr>
+          </a:p>
+          <a:p>
+            <a:pPr algn="ctr"/>
+            <a:r>
+              <a:rPr lang="en-US" altLang="zh-CN" sz="1100" b="1" dirty="0" smtClean="0">
+                <a:solidFill>
+                  <a:srgbClr val="C00000"/>
+                </a:solidFill>
+              </a:rPr>
+              <a:t>100</a:t>
+            </a:r>
+          </a:p>
+          <a:p>
+            <a:pPr algn="ctr"/>
+            <a:r>
+              <a:rPr lang="en-US" altLang="zh-CN" sz="1100" b="1" dirty="0" smtClean="0">
+                <a:solidFill>
+                  <a:srgbClr val="C00000"/>
+                </a:solidFill>
+              </a:rPr>
+              <a:t>75</a:t>
+            </a:r>
+          </a:p>
+          <a:p>
+            <a:pPr algn="ctr"/>
+            <a:endParaRPr lang="en-US" altLang="zh-CN" sz="1100" b="1" dirty="0" smtClean="0">
+              <a:solidFill>
+                <a:srgbClr val="C00000"/>
+              </a:solidFill>
+            </a:endParaRPr>
+          </a:p>
+          <a:p>
+            <a:pPr algn="ctr"/>
+            <a:r>
+              <a:rPr lang="en-US" altLang="zh-CN" sz="1100" b="1" dirty="0" smtClean="0">
+                <a:solidFill>
+                  <a:srgbClr val="C00000"/>
+                </a:solidFill>
+              </a:rPr>
+              <a:t>60</a:t>
+            </a:r>
+          </a:p>
+          <a:p>
+            <a:pPr algn="ctr"/>
+            <a:endParaRPr lang="en-US" altLang="zh-CN" sz="1100" b="1" dirty="0">
+              <a:solidFill>
+                <a:srgbClr val="C00000"/>
+              </a:solidFill>
+            </a:endParaRPr>
+          </a:p>
+          <a:p>
+            <a:pPr algn="ctr"/>
+            <a:endParaRPr lang="en-US" altLang="zh-CN" sz="1100" b="1" dirty="0" smtClean="0">
+              <a:solidFill>
+                <a:srgbClr val="C00000"/>
+              </a:solidFill>
+            </a:endParaRPr>
+          </a:p>
+          <a:p>
+            <a:pPr algn="ctr"/>
+            <a:r>
+              <a:rPr lang="en-US" altLang="zh-CN" sz="1100" b="1" dirty="0" smtClean="0">
+                <a:solidFill>
+                  <a:srgbClr val="C00000"/>
+                </a:solidFill>
+              </a:rPr>
+              <a:t>45</a:t>
+            </a:r>
+          </a:p>
+          <a:p>
+            <a:pPr algn="ctr"/>
+            <a:endParaRPr lang="en-US" altLang="zh-CN" sz="1100" b="1" dirty="0">
+              <a:solidFill>
+                <a:srgbClr val="C00000"/>
+              </a:solidFill>
+            </a:endParaRPr>
+          </a:p>
+          <a:p>
+            <a:pPr algn="ctr"/>
+            <a:r>
+              <a:rPr lang="en-US" altLang="zh-CN" sz="1100" b="1" dirty="0" smtClean="0">
+                <a:solidFill>
+                  <a:srgbClr val="C00000"/>
+                </a:solidFill>
+              </a:rPr>
+              <a:t>35</a:t>
+            </a:r>
+          </a:p>
+          <a:p>
+            <a:pPr algn="ctr"/>
+            <a:endParaRPr lang="en-US" altLang="zh-CN" sz="1100" b="1" dirty="0">
+              <a:solidFill>
+                <a:srgbClr val="C00000"/>
+              </a:solidFill>
+            </a:endParaRPr>
+          </a:p>
+          <a:p>
+            <a:pPr algn="ctr"/>
+            <a:endParaRPr lang="en-US" altLang="zh-CN" sz="1100" b="1" dirty="0" smtClean="0">
+              <a:solidFill>
+                <a:srgbClr val="C00000"/>
+              </a:solidFill>
+            </a:endParaRPr>
+          </a:p>
+          <a:p>
+            <a:pPr algn="ctr"/>
+            <a:endParaRPr lang="en-US" altLang="zh-CN" sz="1100" b="1" dirty="0">
+              <a:solidFill>
+                <a:srgbClr val="C00000"/>
+              </a:solidFill>
+            </a:endParaRPr>
+          </a:p>
+          <a:p>
+            <a:pPr algn="ctr"/>
+            <a:r>
+              <a:rPr lang="en-US" altLang="zh-CN" sz="1100" b="1" dirty="0" smtClean="0">
+                <a:solidFill>
+                  <a:srgbClr val="C00000"/>
+                </a:solidFill>
+              </a:rPr>
+              <a:t>25</a:t>
+            </a:r>
+          </a:p>
+          <a:p>
+            <a:pPr algn="ctr"/>
+            <a:endParaRPr lang="en-US" altLang="zh-CN" sz="1100" b="1" dirty="0">
+              <a:solidFill>
+                <a:srgbClr val="C00000"/>
+              </a:solidFill>
+            </a:endParaRPr>
+          </a:p>
+          <a:p>
+            <a:pPr algn="ctr"/>
+            <a:endParaRPr lang="en-US" altLang="zh-CN" sz="1100" b="1" dirty="0" smtClean="0">
+              <a:solidFill>
+                <a:srgbClr val="C00000"/>
+              </a:solidFill>
+            </a:endParaRPr>
+          </a:p>
+          <a:p>
+            <a:pPr algn="ctr"/>
+            <a:endParaRPr lang="en-US" altLang="zh-CN" sz="1100" b="1" dirty="0">
+              <a:solidFill>
+                <a:srgbClr val="C00000"/>
+              </a:solidFill>
+            </a:endParaRPr>
+          </a:p>
+          <a:p>
+            <a:pPr algn="ctr"/>
+            <a:endParaRPr lang="en-US" altLang="zh-CN" sz="1100" b="1" dirty="0" smtClean="0">
+              <a:solidFill>
+                <a:srgbClr val="C00000"/>
+              </a:solidFill>
+            </a:endParaRPr>
+          </a:p>
+          <a:p>
+            <a:pPr algn="ctr"/>
+            <a:endParaRPr lang="en-US" altLang="zh-CN" sz="1100" b="1" dirty="0">
+              <a:solidFill>
+                <a:srgbClr val="C00000"/>
+              </a:solidFill>
+            </a:endParaRPr>
+          </a:p>
+          <a:p>
+            <a:pPr algn="ctr"/>
+            <a:r>
+              <a:rPr lang="en-US" altLang="zh-CN" sz="1100" b="1" dirty="0" smtClean="0">
+                <a:solidFill>
+                  <a:srgbClr val="C00000"/>
+                </a:solidFill>
+              </a:rPr>
+              <a:t>15</a:t>
+            </a:r>
+          </a:p>
+          <a:p>
+            <a:pPr algn="ctr"/>
+            <a:r>
+              <a:rPr lang="en-US" altLang="zh-CN" sz="1100" b="1" dirty="0" smtClean="0">
+                <a:solidFill>
+                  <a:srgbClr val="C00000"/>
+                </a:solidFill>
+              </a:rPr>
+              <a:t>10</a:t>
+            </a:r>
+          </a:p>
+          <a:p>
+            <a:pPr algn="ctr"/>
+            <a:endParaRPr lang="en-US" altLang="zh-CN" sz="1100" b="1" dirty="0">
+              <a:solidFill>
+                <a:srgbClr val="C00000"/>
+              </a:solidFill>
+            </a:endParaRPr>
+          </a:p>
+          <a:p>
+            <a:pPr algn="ctr"/>
+            <a:endParaRPr lang="en-US" altLang="zh-CN" sz="1100" b="1" dirty="0" smtClean="0">
+              <a:solidFill>
+                <a:srgbClr val="C00000"/>
+              </a:solidFill>
+            </a:endParaRPr>
+          </a:p>
+          <a:p>
+            <a:pPr algn="ctr"/>
+            <a:endParaRPr lang="zh-CN" altLang="en-US" sz="1100" b="1" dirty="0">
+              <a:solidFill>
+                <a:srgbClr val="C00000"/>
+              </a:solidFill>
+            </a:endParaRPr>
+          </a:p>
+        </p:txBody>
+      </p:sp>
+    </p:spTree>
+    <p:extLst>
+      <p:ext uri="{BB962C8B-B14F-4D97-AF65-F5344CB8AC3E}">
+        <p14:creationId xmlns:p14="http://schemas.microsoft.com/office/powerpoint/2010/main" val="832928565"/>
+      </p:ext>
+    </p:extLst>
+  </p:cSld>
+  <p:clrMapOvr>
+    <a:masterClrMapping/>
+  </p:clrMapOvr>
+  <p:timing>
+    <p:tnLst>
+      <p:par>
+        <p:cTn id="1" dur="indefinite" restart="never" nodeType="tmRoot"/>
+      </p:par>
+    </p:tnLst>
+  </p:timing>
+</p:sld>
+</file>
+
+<file path=ppt/slides/slide5.xml><?xml version="1.0" encoding="utf-8"?>
+<p:sld xmlns:a="http://schemas.openxmlformats.org/drawingml/2006/main" xmlns:r="http://schemas.openxmlformats.org/officeDocument/2006/relationships" xmlns:p="http://schemas.openxmlformats.org/presentationml/2006/main">
+  <p:cSld>
+    <p:spTree>
+      <p:nvGrpSpPr>
+        <p:cNvPr id="1" name=""/>
+        <p:cNvGrpSpPr/>
+        <p:nvPr/>
+      </p:nvGrpSpPr>
+      <p:grpSpPr>
+        <a:xfrm>
+          <a:off x="0" y="0"/>
+          <a:ext cx="0" cy="0"/>
+          <a:chOff x="0" y="0"/>
+          <a:chExt cx="0" cy="0"/>
+        </a:xfrm>
+      </p:grpSpPr>
+      <p:pic>
+        <p:nvPicPr>
+          <p:cNvPr id="11" name="图片 10"/>
+          <p:cNvPicPr>
+            <a:picLocks noChangeAspect="1"/>
+          </p:cNvPicPr>
+          <p:nvPr/>
+        </p:nvPicPr>
+        <p:blipFill>
+          <a:blip r:embed="rId2"/>
+          <a:stretch>
+            <a:fillRect/>
+          </a:stretch>
+        </p:blipFill>
+        <p:spPr>
+          <a:xfrm>
+            <a:off x="973282" y="441649"/>
+            <a:ext cx="8435638" cy="6348772"/>
+          </a:xfrm>
+          <a:prstGeom prst="rect">
+            <a:avLst/>
+          </a:prstGeom>
+        </p:spPr>
+      </p:pic>
+      <p:sp>
+        <p:nvSpPr>
+          <p:cNvPr id="5" name="下箭头 4"/>
+          <p:cNvSpPr/>
+          <p:nvPr/>
+        </p:nvSpPr>
+        <p:spPr>
+          <a:xfrm>
+            <a:off x="6930735" y="474829"/>
+            <a:ext cx="322120" cy="1967034"/>
+          </a:xfrm>
+          <a:prstGeom prst="downArrow">
+            <a:avLst/>
+          </a:prstGeom>
+        </p:spPr>
+        <p:style>
+          <a:lnRef idx="1">
+            <a:schemeClr val="accent6"/>
+          </a:lnRef>
+          <a:fillRef idx="2">
+            <a:schemeClr val="accent6"/>
+          </a:fillRef>
+          <a:effectRef idx="1">
+            <a:schemeClr val="accent6"/>
+          </a:effectRef>
+          <a:fontRef idx="minor">
+            <a:schemeClr val="dk1"/>
+          </a:fontRef>
+        </p:style>
+        <p:txBody>
+          <a:bodyPr rtlCol="0" anchor="ctr"/>
+          <a:lstStyle/>
+          <a:p>
+            <a:pPr algn="ctr"/>
+            <a:endParaRPr lang="zh-CN" altLang="en-US"/>
+          </a:p>
+        </p:txBody>
+      </p:sp>
+      <p:sp>
+        <p:nvSpPr>
+          <p:cNvPr id="6" name="下箭头 5"/>
+          <p:cNvSpPr/>
+          <p:nvPr/>
+        </p:nvSpPr>
+        <p:spPr>
+          <a:xfrm rot="10800000">
+            <a:off x="3647210" y="3616035"/>
+            <a:ext cx="415636" cy="2147453"/>
+          </a:xfrm>
+          <a:prstGeom prst="downArrow">
+            <a:avLst/>
+          </a:prstGeom>
+        </p:spPr>
+        <p:style>
+          <a:lnRef idx="1">
+            <a:schemeClr val="accent2"/>
+          </a:lnRef>
+          <a:fillRef idx="2">
+            <a:schemeClr val="accent2"/>
+          </a:fillRef>
+          <a:effectRef idx="1">
+            <a:schemeClr val="accent2"/>
+          </a:effectRef>
+          <a:fontRef idx="minor">
+            <a:schemeClr val="dk1"/>
+          </a:fontRef>
+        </p:style>
+        <p:txBody>
+          <a:bodyPr rtlCol="0" anchor="ctr"/>
+          <a:lstStyle/>
+          <a:p>
+            <a:pPr algn="ctr"/>
+            <a:endParaRPr lang="zh-CN" altLang="en-US"/>
+          </a:p>
+        </p:txBody>
+      </p:sp>
+      <p:sp>
+        <p:nvSpPr>
+          <p:cNvPr id="7" name="文本框 6"/>
+          <p:cNvSpPr txBox="1"/>
+          <p:nvPr/>
+        </p:nvSpPr>
+        <p:spPr>
+          <a:xfrm flipH="1">
+            <a:off x="5764355" y="2625957"/>
+            <a:ext cx="2818536" cy="646331"/>
+          </a:xfrm>
+          <a:prstGeom prst="rect">
+            <a:avLst/>
+          </a:prstGeom>
+          <a:noFill/>
+        </p:spPr>
+        <p:txBody>
+          <a:bodyPr wrap="square" rtlCol="0">
+            <a:spAutoFit/>
+          </a:bodyPr>
+          <a:lstStyle/>
+          <a:p>
+            <a:pPr algn="ctr"/>
+            <a:r>
+              <a:rPr lang="en-US" altLang="zh-CN" b="1" dirty="0" smtClean="0">
+                <a:solidFill>
+                  <a:schemeClr val="accent6"/>
+                </a:solidFill>
+              </a:rPr>
+              <a:t>Decrease with</a:t>
+            </a:r>
+          </a:p>
+          <a:p>
+            <a:pPr algn="ctr"/>
+            <a:r>
+              <a:rPr lang="en-US" altLang="zh-CN" b="1" dirty="0" smtClean="0">
+                <a:solidFill>
+                  <a:schemeClr val="accent6"/>
+                </a:solidFill>
+              </a:rPr>
+              <a:t> guanidine concentration</a:t>
+            </a:r>
+            <a:endParaRPr lang="zh-CN" altLang="en-US" b="1" dirty="0">
+              <a:solidFill>
+                <a:schemeClr val="accent6"/>
+              </a:solidFill>
+            </a:endParaRPr>
+          </a:p>
+        </p:txBody>
+      </p:sp>
+      <p:sp>
+        <p:nvSpPr>
+          <p:cNvPr id="8" name="文本框 7"/>
+          <p:cNvSpPr txBox="1"/>
+          <p:nvPr/>
+        </p:nvSpPr>
+        <p:spPr>
+          <a:xfrm flipH="1">
+            <a:off x="1645226" y="4353791"/>
+            <a:ext cx="2417620" cy="923330"/>
+          </a:xfrm>
+          <a:prstGeom prst="rect">
+            <a:avLst/>
+          </a:prstGeom>
+          <a:noFill/>
+        </p:spPr>
+        <p:txBody>
+          <a:bodyPr wrap="square" rtlCol="0">
+            <a:spAutoFit/>
+          </a:bodyPr>
+          <a:lstStyle/>
+          <a:p>
+            <a:pPr algn="ctr"/>
+            <a:r>
+              <a:rPr lang="en-US" altLang="zh-CN" b="1" dirty="0" smtClean="0">
+                <a:solidFill>
+                  <a:schemeClr val="accent2">
+                    <a:lumMod val="75000"/>
+                  </a:schemeClr>
+                </a:solidFill>
+              </a:rPr>
+              <a:t>Increase with</a:t>
+            </a:r>
+          </a:p>
+          <a:p>
+            <a:pPr algn="ctr"/>
+            <a:r>
+              <a:rPr lang="en-US" altLang="zh-CN" b="1" dirty="0" smtClean="0">
+                <a:solidFill>
+                  <a:schemeClr val="accent2">
+                    <a:lumMod val="75000"/>
+                  </a:schemeClr>
+                </a:solidFill>
+              </a:rPr>
+              <a:t> guanidine concentration</a:t>
+            </a:r>
+            <a:endParaRPr lang="zh-CN" altLang="en-US" b="1" dirty="0">
+              <a:solidFill>
+                <a:schemeClr val="accent2">
+                  <a:lumMod val="75000"/>
+                </a:schemeClr>
+              </a:solidFill>
+            </a:endParaRPr>
+          </a:p>
+        </p:txBody>
+      </p:sp>
+    </p:spTree>
+    <p:extLst>
+      <p:ext uri="{BB962C8B-B14F-4D97-AF65-F5344CB8AC3E}">
+        <p14:creationId xmlns:p14="http://schemas.microsoft.com/office/powerpoint/2010/main" val="968148591"/>
+      </p:ext>
+    </p:extLst>
+  </p:cSld>
+  <p:clrMapOvr>
+    <a:masterClrMapping/>
+  </p:clrMapOvr>
+  <p:timing>
+    <p:tnLst>
+      <p:par>
+        <p:cTn id="1" dur="indefinite" restart="never" nodeType="tmRoot"/>
+      </p:par>
+    </p:tnLst>
+  </p:timing>
+</p:sld>
+</file>
+
+<file path=ppt/slides/slide6.xml><?xml version="1.0" encoding="utf-8"?>
+<p:sld xmlns:a="http://schemas.openxmlformats.org/drawingml/2006/main" xmlns:r="http://schemas.openxmlformats.org/officeDocument/2006/relationships" xmlns:p="http://schemas.openxmlformats.org/presentationml/2006/main">
+  <p:cSld>
+    <p:spTree>
+      <p:nvGrpSpPr>
+        <p:cNvPr id="1" name=""/>
+        <p:cNvGrpSpPr/>
+        <p:nvPr/>
+      </p:nvGrpSpPr>
+      <p:grpSpPr>
+        <a:xfrm>
+          <a:off x="0" y="0"/>
+          <a:ext cx="0" cy="0"/>
+          <a:chOff x="0" y="0"/>
+          <a:chExt cx="0" cy="0"/>
+        </a:xfrm>
+      </p:grpSpPr>
+      <p:sp>
+        <p:nvSpPr>
+          <p:cNvPr id="2" name="标题 1"/>
+          <p:cNvSpPr>
+            <a:spLocks noGrp="1"/>
+          </p:cNvSpPr>
+          <p:nvPr>
+            <p:ph type="title"/>
+          </p:nvPr>
+        </p:nvSpPr>
+        <p:spPr/>
+        <p:txBody>
+          <a:bodyPr/>
+          <a:lstStyle/>
+          <a:p>
+            <a:endParaRPr lang="zh-CN" altLang="en-US"/>
+          </a:p>
+        </p:txBody>
+      </p:sp>
+      <p:pic>
+        <p:nvPicPr>
+          <p:cNvPr id="4" name="内容占位符 3"/>
+          <p:cNvPicPr>
+            <a:picLocks noGrp="1" noChangeAspect="1"/>
+          </p:cNvPicPr>
+          <p:nvPr>
+            <p:ph idx="1"/>
+          </p:nvPr>
+        </p:nvPicPr>
+        <p:blipFill>
+          <a:blip r:embed="rId2">
+            <a:extLst>
+              <a:ext uri="{28A0092B-C50C-407E-A947-70E740481C1C}">
+                <a14:useLocalDpi xmlns:a14="http://schemas.microsoft.com/office/drawing/2010/main" val="0"/>
+              </a:ext>
+            </a:extLst>
+          </a:blip>
+          <a:stretch>
+            <a:fillRect/>
+          </a:stretch>
+        </p:blipFill>
+        <p:spPr>
+          <a:xfrm>
+            <a:off x="4369920" y="2778178"/>
+            <a:ext cx="3452159" cy="2266263"/>
+          </a:xfrm>
+        </p:spPr>
+      </p:pic>
+      <p:pic>
+        <p:nvPicPr>
+          <p:cNvPr id="5" name="图片 4"/>
+          <p:cNvPicPr>
+            <a:picLocks noChangeAspect="1"/>
+          </p:cNvPicPr>
+          <p:nvPr/>
+        </p:nvPicPr>
+        <p:blipFill>
+          <a:blip r:embed="rId3">
+            <a:extLst>
+              <a:ext uri="{28A0092B-C50C-407E-A947-70E740481C1C}">
+                <a14:useLocalDpi xmlns:a14="http://schemas.microsoft.com/office/drawing/2010/main" val="0"/>
+              </a:ext>
+            </a:extLst>
+          </a:blip>
+          <a:stretch>
+            <a:fillRect/>
+          </a:stretch>
+        </p:blipFill>
+        <p:spPr>
+          <a:xfrm>
+            <a:off x="4369920" y="2778179"/>
+            <a:ext cx="3455820" cy="2266262"/>
+          </a:xfrm>
+          <a:prstGeom prst="rect">
+            <a:avLst/>
+          </a:prstGeom>
+        </p:spPr>
+      </p:pic>
+      <p:pic>
+        <p:nvPicPr>
+          <p:cNvPr id="7" name="图片 6"/>
+          <p:cNvPicPr>
+            <a:picLocks noChangeAspect="1"/>
+          </p:cNvPicPr>
+          <p:nvPr/>
+        </p:nvPicPr>
+        <p:blipFill>
+          <a:blip r:embed="rId4"/>
+          <a:stretch>
+            <a:fillRect/>
+          </a:stretch>
+        </p:blipFill>
+        <p:spPr>
+          <a:xfrm>
+            <a:off x="4369920" y="2778531"/>
+            <a:ext cx="3475549" cy="2265910"/>
+          </a:xfrm>
+          <a:prstGeom prst="rect">
+            <a:avLst/>
+          </a:prstGeom>
+        </p:spPr>
+      </p:pic>
+    </p:spTree>
+    <p:extLst>
+      <p:ext uri="{BB962C8B-B14F-4D97-AF65-F5344CB8AC3E}">
+        <p14:creationId xmlns:p14="http://schemas.microsoft.com/office/powerpoint/2010/main" val="3078494485"/>
+      </p:ext>
+    </p:extLst>
+  </p:cSld>
+  <p:clrMapOvr>
+    <a:masterClrMapping/>
+  </p:clrMapOvr>
+</p:sld>
+</file>
+
+<file path=ppt/slides/slide7.xml><?xml version="1.0" encoding="utf-8"?>
+<p:sld xmlns:a="http://schemas.openxmlformats.org/drawingml/2006/main" xmlns:r="http://schemas.openxmlformats.org/officeDocument/2006/relationships" xmlns:p="http://schemas.openxmlformats.org/presentationml/2006/main">
+  <p:cSld>
+    <p:spTree>
+      <p:nvGrpSpPr>
+        <p:cNvPr id="1" name=""/>
+        <p:cNvGrpSpPr/>
+        <p:nvPr/>
+      </p:nvGrpSpPr>
+      <p:grpSpPr>
+        <a:xfrm>
+          <a:off x="0" y="0"/>
+          <a:ext cx="0" cy="0"/>
+          <a:chOff x="0" y="0"/>
+          <a:chExt cx="0" cy="0"/>
+        </a:xfrm>
+      </p:grpSpPr>
+      <p:sp>
+        <p:nvSpPr>
+          <p:cNvPr id="2" name="标题 1"/>
+          <p:cNvSpPr>
+            <a:spLocks noGrp="1"/>
+          </p:cNvSpPr>
+          <p:nvPr>
+            <p:ph type="title"/>
+          </p:nvPr>
+        </p:nvSpPr>
+        <p:spPr/>
+        <p:txBody>
+          <a:bodyPr/>
+          <a:lstStyle/>
+          <a:p>
+            <a:endParaRPr lang="zh-CN" altLang="en-US"/>
+          </a:p>
+        </p:txBody>
+      </p:sp>
+      <p:pic>
+        <p:nvPicPr>
+          <p:cNvPr id="4" name="内容占位符 3"/>
+          <p:cNvPicPr>
+            <a:picLocks noGrp="1" noChangeAspect="1"/>
+          </p:cNvPicPr>
+          <p:nvPr>
+            <p:ph idx="1"/>
+          </p:nvPr>
+        </p:nvPicPr>
+        <p:blipFill>
+          <a:blip r:embed="rId2">
+            <a:extLst>
+              <a:ext uri="{28A0092B-C50C-407E-A947-70E740481C1C}">
+                <a14:useLocalDpi xmlns:a14="http://schemas.microsoft.com/office/drawing/2010/main" val="0"/>
+              </a:ext>
+            </a:extLst>
+          </a:blip>
+          <a:stretch>
+            <a:fillRect/>
+          </a:stretch>
+        </p:blipFill>
+        <p:spPr>
+          <a:xfrm>
+            <a:off x="4369920" y="2778178"/>
+            <a:ext cx="3452159" cy="2266263"/>
+          </a:xfrm>
+        </p:spPr>
+      </p:pic>
+      <p:pic>
+        <p:nvPicPr>
+          <p:cNvPr id="5" name="图片 4"/>
+          <p:cNvPicPr>
+            <a:picLocks noChangeAspect="1"/>
+          </p:cNvPicPr>
+          <p:nvPr/>
+        </p:nvPicPr>
+        <p:blipFill>
+          <a:blip r:embed="rId3">
+            <a:extLst>
+              <a:ext uri="{28A0092B-C50C-407E-A947-70E740481C1C}">
+                <a14:useLocalDpi xmlns:a14="http://schemas.microsoft.com/office/drawing/2010/main" val="0"/>
+              </a:ext>
+            </a:extLst>
+          </a:blip>
+          <a:stretch>
+            <a:fillRect/>
+          </a:stretch>
+        </p:blipFill>
+        <p:spPr>
+          <a:xfrm>
+            <a:off x="4369920" y="2778179"/>
+            <a:ext cx="3455820" cy="2266262"/>
+          </a:xfrm>
+          <a:prstGeom prst="rect">
+            <a:avLst/>
+          </a:prstGeom>
+        </p:spPr>
+      </p:pic>
+      <p:pic>
+        <p:nvPicPr>
+          <p:cNvPr id="7" name="图片 6"/>
+          <p:cNvPicPr>
+            <a:picLocks noChangeAspect="1"/>
+          </p:cNvPicPr>
+          <p:nvPr/>
+        </p:nvPicPr>
+        <p:blipFill>
+          <a:blip r:embed="rId4"/>
+          <a:stretch>
+            <a:fillRect/>
+          </a:stretch>
+        </p:blipFill>
+        <p:spPr>
+          <a:xfrm>
+            <a:off x="4369920" y="2778531"/>
+            <a:ext cx="3475549" cy="2265910"/>
+          </a:xfrm>
+          <a:prstGeom prst="rect">
+            <a:avLst/>
+          </a:prstGeom>
+        </p:spPr>
+      </p:pic>
+      <p:pic>
+        <p:nvPicPr>
+          <p:cNvPr id="8" name="图片 7"/>
+          <p:cNvPicPr>
+            <a:picLocks noChangeAspect="1"/>
+          </p:cNvPicPr>
+          <p:nvPr/>
+        </p:nvPicPr>
+        <p:blipFill>
+          <a:blip r:embed="rId5">
+            <a:extLst>
+              <a:ext uri="{28A0092B-C50C-407E-A947-70E740481C1C}">
+                <a14:useLocalDpi xmlns:a14="http://schemas.microsoft.com/office/drawing/2010/main" val="0"/>
+              </a:ext>
+            </a:extLst>
+          </a:blip>
+          <a:stretch>
+            <a:fillRect/>
+          </a:stretch>
+        </p:blipFill>
+        <p:spPr>
+          <a:xfrm>
+            <a:off x="4369920" y="2778178"/>
+            <a:ext cx="3506509" cy="2266264"/>
+          </a:xfrm>
+          <a:prstGeom prst="rect">
+            <a:avLst/>
+          </a:prstGeom>
+        </p:spPr>
+      </p:pic>
+    </p:spTree>
+    <p:extLst>
+      <p:ext uri="{BB962C8B-B14F-4D97-AF65-F5344CB8AC3E}">
+        <p14:creationId xmlns:p14="http://schemas.microsoft.com/office/powerpoint/2010/main" val="2867703000"/>
+      </p:ext>
+    </p:extLst>
+  </p:cSld>
+  <p:clrMapOvr>
+    <a:masterClrMapping/>
+  </p:clrMapOvr>
 </p:sld>
 </file>
 
